--- a/4. UI/Day 32/Slides/5. Templates, Interpolation, and Directives/templates-interpolation-and-directives-slides.pptx
+++ b/4. UI/Day 32/Slides/5. Templates, Interpolation, and Directives/templates-interpolation-and-directives-slides.pptx
@@ -5,46 +5,46 @@
     <p:sldMasterId id="2147483648" r:id="rId1"/>
   </p:sldMasterIdLst>
   <p:notesMasterIdLst>
-    <p:notesMasterId r:id="rId40"/>
+    <p:notesMasterId r:id="rId39"/>
   </p:notesMasterIdLst>
   <p:sldIdLst>
-    <p:sldId id="256" r:id="rId3"/>
-    <p:sldId id="257" r:id="rId4"/>
-    <p:sldId id="258" r:id="rId5"/>
-    <p:sldId id="259" r:id="rId6"/>
-    <p:sldId id="260" r:id="rId7"/>
-    <p:sldId id="261" r:id="rId8"/>
-    <p:sldId id="262" r:id="rId9"/>
-    <p:sldId id="263" r:id="rId10"/>
-    <p:sldId id="264" r:id="rId11"/>
-    <p:sldId id="265" r:id="rId12"/>
-    <p:sldId id="266" r:id="rId13"/>
-    <p:sldId id="267" r:id="rId14"/>
-    <p:sldId id="268" r:id="rId15"/>
-    <p:sldId id="269" r:id="rId16"/>
-    <p:sldId id="270" r:id="rId17"/>
-    <p:sldId id="271" r:id="rId18"/>
-    <p:sldId id="272" r:id="rId19"/>
-    <p:sldId id="273" r:id="rId20"/>
-    <p:sldId id="274" r:id="rId21"/>
-    <p:sldId id="275" r:id="rId22"/>
-    <p:sldId id="276" r:id="rId23"/>
-    <p:sldId id="277" r:id="rId24"/>
-    <p:sldId id="278" r:id="rId25"/>
-    <p:sldId id="279" r:id="rId26"/>
-    <p:sldId id="280" r:id="rId27"/>
-    <p:sldId id="281" r:id="rId28"/>
-    <p:sldId id="282" r:id="rId29"/>
-    <p:sldId id="283" r:id="rId30"/>
-    <p:sldId id="284" r:id="rId31"/>
-    <p:sldId id="285" r:id="rId32"/>
-    <p:sldId id="286" r:id="rId33"/>
-    <p:sldId id="287" r:id="rId34"/>
-    <p:sldId id="288" r:id="rId35"/>
-    <p:sldId id="289" r:id="rId36"/>
-    <p:sldId id="290" r:id="rId37"/>
-    <p:sldId id="291" r:id="rId38"/>
-    <p:sldId id="292" r:id="rId39"/>
+    <p:sldId id="256" r:id="rId2"/>
+    <p:sldId id="257" r:id="rId3"/>
+    <p:sldId id="258" r:id="rId4"/>
+    <p:sldId id="259" r:id="rId5"/>
+    <p:sldId id="260" r:id="rId6"/>
+    <p:sldId id="261" r:id="rId7"/>
+    <p:sldId id="262" r:id="rId8"/>
+    <p:sldId id="263" r:id="rId9"/>
+    <p:sldId id="264" r:id="rId10"/>
+    <p:sldId id="265" r:id="rId11"/>
+    <p:sldId id="266" r:id="rId12"/>
+    <p:sldId id="267" r:id="rId13"/>
+    <p:sldId id="268" r:id="rId14"/>
+    <p:sldId id="269" r:id="rId15"/>
+    <p:sldId id="270" r:id="rId16"/>
+    <p:sldId id="271" r:id="rId17"/>
+    <p:sldId id="272" r:id="rId18"/>
+    <p:sldId id="273" r:id="rId19"/>
+    <p:sldId id="274" r:id="rId20"/>
+    <p:sldId id="275" r:id="rId21"/>
+    <p:sldId id="276" r:id="rId22"/>
+    <p:sldId id="277" r:id="rId23"/>
+    <p:sldId id="278" r:id="rId24"/>
+    <p:sldId id="279" r:id="rId25"/>
+    <p:sldId id="280" r:id="rId26"/>
+    <p:sldId id="281" r:id="rId27"/>
+    <p:sldId id="282" r:id="rId28"/>
+    <p:sldId id="283" r:id="rId29"/>
+    <p:sldId id="284" r:id="rId30"/>
+    <p:sldId id="285" r:id="rId31"/>
+    <p:sldId id="286" r:id="rId32"/>
+    <p:sldId id="287" r:id="rId33"/>
+    <p:sldId id="288" r:id="rId34"/>
+    <p:sldId id="289" r:id="rId35"/>
+    <p:sldId id="290" r:id="rId36"/>
+    <p:sldId id="291" r:id="rId37"/>
+    <p:sldId id="292" r:id="rId38"/>
   </p:sldIdLst>
   <p:sldSz cx="18288000" cy="10287000"/>
   <p:notesSz cx="18288000" cy="10287000"/>
@@ -140,6 +140,22 @@
       </a:defRPr>
     </a:lvl9pPr>
   </p:defaultTextStyle>
+  <p:extLst>
+    <p:ext uri="{EFAFB233-063F-42B5-8137-9DF3F51BA10A}">
+      <p15:sldGuideLst xmlns:p15="http://schemas.microsoft.com/office/powerpoint/2012/main">
+        <p15:guide id="1" orient="horz" pos="2880">
+          <p15:clr>
+            <a:srgbClr val="A4A3A4"/>
+          </p15:clr>
+        </p15:guide>
+        <p15:guide id="2" pos="2160">
+          <p15:clr>
+            <a:srgbClr val="A4A3A4"/>
+          </p15:clr>
+        </p15:guide>
+      </p15:sldGuideLst>
+    </p:ext>
+  </p:extLst>
 </p:presentation>
 </file>
 
@@ -225,6 +241,7 @@
           <a:p>
             <a:fld id="{3EFD42F7-718C-4B98-AAEC-167E6DDD60A7}" type="datetimeFigureOut">
               <a:rPr lang="en-US" smtClean="0"/>
+              <a:t>5/4/2023</a:t>
             </a:fld>
             <a:endParaRPr lang="en-US"/>
           </a:p>
@@ -288,42 +305,37 @@
           <a:p>
             <a:pPr lvl="0"/>
             <a:r>
-              <a:rPr lang="en-US" smtClean="0"/>
+              <a:rPr lang="en-US"/>
               <a:t>Click to edit Master text styles</a:t>
             </a:r>
-            <a:endParaRPr lang="en-US" smtClean="0"/>
           </a:p>
           <a:p>
             <a:pPr lvl="1"/>
             <a:r>
-              <a:rPr lang="en-US" smtClean="0"/>
+              <a:rPr lang="en-US"/>
               <a:t>Second level</a:t>
             </a:r>
-            <a:endParaRPr lang="en-US" smtClean="0"/>
           </a:p>
           <a:p>
             <a:pPr lvl="2"/>
             <a:r>
-              <a:rPr lang="en-US" smtClean="0"/>
+              <a:rPr lang="en-US"/>
               <a:t>Third level</a:t>
             </a:r>
-            <a:endParaRPr lang="en-US" smtClean="0"/>
           </a:p>
           <a:p>
             <a:pPr lvl="3"/>
             <a:r>
-              <a:rPr lang="en-US" smtClean="0"/>
+              <a:rPr lang="en-US"/>
               <a:t>Fourth level</a:t>
             </a:r>
-            <a:endParaRPr lang="en-US" smtClean="0"/>
           </a:p>
           <a:p>
             <a:pPr lvl="4"/>
             <a:r>
-              <a:rPr lang="en-US" smtClean="0"/>
+              <a:rPr lang="en-US"/>
               <a:t>Fifth level</a:t>
             </a:r>
-            <a:endParaRPr lang="en-US"/>
           </a:p>
         </p:txBody>
       </p:sp>
@@ -387,6 +399,7 @@
           <a:p>
             <a:fld id="{21B2AA4F-B828-4D7C-AFD3-893933DAFCB4}" type="slidenum">
               <a:rPr lang="en-US" smtClean="0"/>
+              <a:t>‹#›</a:t>
             </a:fld>
             <a:endParaRPr lang="en-US"/>
           </a:p>
@@ -491,7 +504,7 @@
 </file>
 
 <file path=ppt/slideLayouts/slideLayout1.xml><?xml version="1.0" encoding="utf-8"?>
-<p:sldLayout xmlns:a="http://schemas.openxmlformats.org/drawingml/2006/main" xmlns:r="http://schemas.openxmlformats.org/officeDocument/2006/relationships" xmlns:p="http://schemas.openxmlformats.org/presentationml/2006/main" type="obj" preserve="1" showMasterSp="0">
+<p:sldLayout xmlns:a="http://schemas.openxmlformats.org/drawingml/2006/main" xmlns:r="http://schemas.openxmlformats.org/officeDocument/2006/relationships" xmlns:p="http://schemas.openxmlformats.org/presentationml/2006/main" showMasterSp="0" type="obj" preserve="1">
   <p:cSld name="Title Slide">
     <p:bg>
       <p:bgPr>
@@ -569,7 +582,9 @@
               </a:defRPr>
             </a:lvl1pPr>
           </a:lstStyle>
-          <a:p/>
+          <a:p>
+            <a:endParaRPr/>
+          </a:p>
         </p:txBody>
       </p:sp>
       <p:sp>
@@ -600,7 +615,9 @@
               <a:defRPr/>
             </a:lvl1pPr>
           </a:lstStyle>
-          <a:p/>
+          <a:p>
+            <a:endParaRPr/>
+          </a:p>
         </p:txBody>
       </p:sp>
       <p:sp>
@@ -627,7 +644,9 @@
               </a:defRPr>
             </a:lvl1pPr>
           </a:lstStyle>
-          <a:p/>
+          <a:p>
+            <a:endParaRPr/>
+          </a:p>
         </p:txBody>
       </p:sp>
       <p:sp>
@@ -657,6 +676,7 @@
           <a:p>
             <a:fld id="{1D8BD707-D9CF-40AE-B4C6-C98DA3205C09}" type="datetimeFigureOut">
               <a:rPr lang="en-US"/>
+              <a:t>5/4/2023</a:t>
             </a:fld>
             <a:endParaRPr lang="en-US"/>
           </a:p>
@@ -689,6 +709,7 @@
           <a:p>
             <a:fld id="{B6F15528-21DE-4FAA-801E-634DDDAF4B2B}" type="slidenum">
               <a:rPr/>
+              <a:t>‹#›</a:t>
             </a:fld>
             <a:endParaRPr/>
           </a:p>
@@ -744,7 +765,9 @@
               </a:defRPr>
             </a:lvl1pPr>
           </a:lstStyle>
-          <a:p/>
+          <a:p>
+            <a:endParaRPr/>
+          </a:p>
         </p:txBody>
       </p:sp>
       <p:sp>
@@ -771,7 +794,9 @@
               </a:defRPr>
             </a:lvl1pPr>
           </a:lstStyle>
-          <a:p/>
+          <a:p>
+            <a:endParaRPr/>
+          </a:p>
         </p:txBody>
       </p:sp>
       <p:sp>
@@ -798,7 +823,9 @@
               </a:defRPr>
             </a:lvl1pPr>
           </a:lstStyle>
-          <a:p/>
+          <a:p>
+            <a:endParaRPr/>
+          </a:p>
         </p:txBody>
       </p:sp>
       <p:sp>
@@ -828,6 +855,7 @@
           <a:p>
             <a:fld id="{1D8BD707-D9CF-40AE-B4C6-C98DA3205C09}" type="datetimeFigureOut">
               <a:rPr lang="en-US"/>
+              <a:t>5/4/2023</a:t>
             </a:fld>
             <a:endParaRPr lang="en-US"/>
           </a:p>
@@ -860,6 +888,7 @@
           <a:p>
             <a:fld id="{B6F15528-21DE-4FAA-801E-634DDDAF4B2B}" type="slidenum">
               <a:rPr/>
+              <a:t>‹#›</a:t>
             </a:fld>
             <a:endParaRPr/>
           </a:p>
@@ -915,7 +944,9 @@
               </a:defRPr>
             </a:lvl1pPr>
           </a:lstStyle>
-          <a:p/>
+          <a:p>
+            <a:endParaRPr/>
+          </a:p>
         </p:txBody>
       </p:sp>
       <p:sp>
@@ -946,7 +977,9 @@
               <a:defRPr/>
             </a:lvl1pPr>
           </a:lstStyle>
-          <a:p/>
+          <a:p>
+            <a:endParaRPr/>
+          </a:p>
         </p:txBody>
       </p:sp>
       <p:sp>
@@ -977,7 +1010,9 @@
               <a:defRPr/>
             </a:lvl1pPr>
           </a:lstStyle>
-          <a:p/>
+          <a:p>
+            <a:endParaRPr/>
+          </a:p>
         </p:txBody>
       </p:sp>
       <p:sp>
@@ -1004,7 +1039,9 @@
               </a:defRPr>
             </a:lvl1pPr>
           </a:lstStyle>
-          <a:p/>
+          <a:p>
+            <a:endParaRPr/>
+          </a:p>
         </p:txBody>
       </p:sp>
       <p:sp>
@@ -1034,6 +1071,7 @@
           <a:p>
             <a:fld id="{1D8BD707-D9CF-40AE-B4C6-C98DA3205C09}" type="datetimeFigureOut">
               <a:rPr lang="en-US"/>
+              <a:t>5/4/2023</a:t>
             </a:fld>
             <a:endParaRPr lang="en-US"/>
           </a:p>
@@ -1066,6 +1104,7 @@
           <a:p>
             <a:fld id="{B6F15528-21DE-4FAA-801E-634DDDAF4B2B}" type="slidenum">
               <a:rPr/>
+              <a:t>‹#›</a:t>
             </a:fld>
             <a:endParaRPr/>
           </a:p>
@@ -1121,7 +1160,9 @@
               </a:defRPr>
             </a:lvl1pPr>
           </a:lstStyle>
-          <a:p/>
+          <a:p>
+            <a:endParaRPr/>
+          </a:p>
         </p:txBody>
       </p:sp>
       <p:sp>
@@ -1148,7 +1189,9 @@
               </a:defRPr>
             </a:lvl1pPr>
           </a:lstStyle>
-          <a:p/>
+          <a:p>
+            <a:endParaRPr/>
+          </a:p>
         </p:txBody>
       </p:sp>
       <p:sp>
@@ -1178,6 +1221,7 @@
           <a:p>
             <a:fld id="{1D8BD707-D9CF-40AE-B4C6-C98DA3205C09}" type="datetimeFigureOut">
               <a:rPr lang="en-US"/>
+              <a:t>5/4/2023</a:t>
             </a:fld>
             <a:endParaRPr lang="en-US"/>
           </a:p>
@@ -1210,6 +1254,7 @@
           <a:p>
             <a:fld id="{B6F15528-21DE-4FAA-801E-634DDDAF4B2B}" type="slidenum">
               <a:rPr/>
+              <a:t>‹#›</a:t>
             </a:fld>
             <a:endParaRPr/>
           </a:p>
@@ -1265,7 +1310,9 @@
               </a:defRPr>
             </a:lvl1pPr>
           </a:lstStyle>
-          <a:p/>
+          <a:p>
+            <a:endParaRPr/>
+          </a:p>
         </p:txBody>
       </p:sp>
       <p:sp>
@@ -1295,6 +1342,7 @@
           <a:p>
             <a:fld id="{1D8BD707-D9CF-40AE-B4C6-C98DA3205C09}" type="datetimeFigureOut">
               <a:rPr lang="en-US"/>
+              <a:t>5/4/2023</a:t>
             </a:fld>
             <a:endParaRPr lang="en-US"/>
           </a:p>
@@ -1327,6 +1375,7 @@
           <a:p>
             <a:fld id="{B6F15528-21DE-4FAA-801E-634DDDAF4B2B}" type="slidenum">
               <a:rPr/>
+              <a:t>‹#›</a:t>
             </a:fld>
             <a:endParaRPr/>
           </a:p>
@@ -1400,7 +1449,9 @@
               </a:defRPr>
             </a:lvl1pPr>
           </a:lstStyle>
-          <a:p/>
+          <a:p>
+            <a:endParaRPr/>
+          </a:p>
         </p:txBody>
       </p:sp>
       <p:sp>
@@ -1437,7 +1488,9 @@
               </a:defRPr>
             </a:lvl1pPr>
           </a:lstStyle>
-          <a:p/>
+          <a:p>
+            <a:endParaRPr/>
+          </a:p>
         </p:txBody>
       </p:sp>
       <p:sp>
@@ -1474,7 +1527,9 @@
               </a:defRPr>
             </a:lvl1pPr>
           </a:lstStyle>
-          <a:p/>
+          <a:p>
+            <a:endParaRPr/>
+          </a:p>
         </p:txBody>
       </p:sp>
       <p:sp>
@@ -1514,6 +1569,7 @@
           <a:p>
             <a:fld id="{1D8BD707-D9CF-40AE-B4C6-C98DA3205C09}" type="datetimeFigureOut">
               <a:rPr lang="en-US"/>
+              <a:t>5/4/2023</a:t>
             </a:fld>
             <a:endParaRPr lang="en-US"/>
           </a:p>
@@ -1556,6 +1612,7 @@
           <a:p>
             <a:fld id="{B6F15528-21DE-4FAA-801E-634DDDAF4B2B}" type="slidenum">
               <a:rPr/>
+              <a:t>‹#›</a:t>
             </a:fld>
             <a:endParaRPr/>
           </a:p>
@@ -1740,7 +1797,7 @@
           <p:nvPr/>
         </p:nvPicPr>
         <p:blipFill>
-          <a:blip r:embed="rId1" cstate="print"/>
+          <a:blip r:embed="rId2" cstate="print"/>
           <a:stretch>
             <a:fillRect/>
           </a:stretch>
@@ -1829,9 +1886,11 @@
         <p:spPr/>
         <p:txBody>
           <a:bodyPr/>
+          <a:lstStyle/>
           <a:p>
             <a:fld id="{B6F15528-21DE-4FAA-801E-634DDDAF4B2B}" type="slidenum">
               <a:rPr/>
+              <a:t>1</a:t>
             </a:fld>
             <a:endParaRPr/>
           </a:p>
@@ -1911,7 +1970,6 @@
               <a:rPr spc="-85" dirty="0"/>
               <a:t>View</a:t>
             </a:r>
-            <a:endParaRPr spc="-85" dirty="0"/>
           </a:p>
         </p:txBody>
       </p:sp>
@@ -1922,7 +1980,7 @@
           <p:nvPr/>
         </p:nvPicPr>
         <p:blipFill>
-          <a:blip r:embed="rId1" cstate="print"/>
+          <a:blip r:embed="rId2" cstate="print"/>
           <a:stretch>
             <a:fillRect/>
           </a:stretch>
@@ -1950,9 +2008,11 @@
         <p:spPr/>
         <p:txBody>
           <a:bodyPr/>
+          <a:lstStyle/>
           <a:p>
             <a:fld id="{B6F15528-21DE-4FAA-801E-634DDDAF4B2B}" type="slidenum">
               <a:rPr/>
+              <a:t>10</a:t>
             </a:fld>
             <a:endParaRPr/>
           </a:p>
@@ -2032,7 +2092,6 @@
               <a:rPr spc="-85" dirty="0"/>
               <a:t>View</a:t>
             </a:r>
-            <a:endParaRPr spc="-85" dirty="0"/>
           </a:p>
         </p:txBody>
       </p:sp>
@@ -2043,7 +2102,7 @@
           <p:nvPr/>
         </p:nvPicPr>
         <p:blipFill>
-          <a:blip r:embed="rId1" cstate="print"/>
+          <a:blip r:embed="rId2" cstate="print"/>
           <a:stretch>
             <a:fillRect/>
           </a:stretch>
@@ -2071,9 +2130,11 @@
         <p:spPr/>
         <p:txBody>
           <a:bodyPr/>
+          <a:lstStyle/>
           <a:p>
             <a:fld id="{B6F15528-21DE-4FAA-801E-634DDDAF4B2B}" type="slidenum">
               <a:rPr/>
+              <a:t>11</a:t>
             </a:fld>
             <a:endParaRPr/>
           </a:p>
@@ -2153,7 +2214,6 @@
               <a:rPr spc="-85" dirty="0"/>
               <a:t>View</a:t>
             </a:r>
-            <a:endParaRPr spc="-85" dirty="0"/>
           </a:p>
         </p:txBody>
       </p:sp>
@@ -2272,7 +2332,7 @@
           <p:nvPr/>
         </p:nvPicPr>
         <p:blipFill>
-          <a:blip r:embed="rId1" cstate="print"/>
+          <a:blip r:embed="rId2" cstate="print"/>
           <a:stretch>
             <a:fillRect/>
           </a:stretch>
@@ -2300,9 +2360,11 @@
         <p:spPr/>
         <p:txBody>
           <a:bodyPr/>
+          <a:lstStyle/>
           <a:p>
             <a:fld id="{B6F15528-21DE-4FAA-801E-634DDDAF4B2B}" type="slidenum">
               <a:rPr/>
+              <a:t>12</a:t>
             </a:fld>
             <a:endParaRPr/>
           </a:p>
@@ -2386,7 +2448,6 @@
               <a:rPr spc="114" dirty="0"/>
               <a:t>Component</a:t>
             </a:r>
-            <a:endParaRPr spc="114" dirty="0"/>
           </a:p>
         </p:txBody>
       </p:sp>
@@ -2451,7 +2512,9 @@
           <p:txBody>
             <a:bodyPr wrap="square" lIns="0" tIns="0" rIns="0" bIns="0" rtlCol="0"/>
             <a:lstStyle/>
-            <a:p/>
+            <a:p>
+              <a:endParaRPr/>
+            </a:p>
           </p:txBody>
         </p:sp>
         <p:sp>
@@ -2499,7 +2562,9 @@
           <p:txBody>
             <a:bodyPr wrap="square" lIns="0" tIns="0" rIns="0" bIns="0" rtlCol="0"/>
             <a:lstStyle/>
-            <a:p/>
+            <a:p>
+              <a:endParaRPr/>
+            </a:p>
           </p:txBody>
         </p:sp>
         <p:sp>
@@ -2549,7 +2614,9 @@
           <p:txBody>
             <a:bodyPr wrap="square" lIns="0" tIns="0" rIns="0" bIns="0" rtlCol="0"/>
             <a:lstStyle/>
-            <a:p/>
+            <a:p>
+              <a:endParaRPr/>
+            </a:p>
           </p:txBody>
         </p:sp>
       </p:grpSp>
@@ -2997,9 +3064,11 @@
         <p:spPr/>
         <p:txBody>
           <a:bodyPr/>
+          <a:lstStyle/>
           <a:p>
             <a:fld id="{B6F15528-21DE-4FAA-801E-634DDDAF4B2B}" type="slidenum">
               <a:rPr/>
+              <a:t>13</a:t>
             </a:fld>
             <a:endParaRPr/>
           </a:p>
@@ -3107,7 +3176,6 @@
               <a:rPr spc="40" dirty="0"/>
               <a:t>Directive</a:t>
             </a:r>
-            <a:endParaRPr spc="40" dirty="0"/>
           </a:p>
         </p:txBody>
       </p:sp>
@@ -3768,9 +3836,11 @@
         <p:spPr/>
         <p:txBody>
           <a:bodyPr/>
+          <a:lstStyle/>
           <a:p>
             <a:fld id="{B6F15528-21DE-4FAA-801E-634DDDAF4B2B}" type="slidenum">
               <a:rPr/>
+              <a:t>14</a:t>
             </a:fld>
             <a:endParaRPr/>
           </a:p>
@@ -3878,7 +3948,6 @@
               <a:rPr spc="40" dirty="0"/>
               <a:t>Directive</a:t>
             </a:r>
-            <a:endParaRPr spc="40" dirty="0"/>
           </a:p>
         </p:txBody>
       </p:sp>
@@ -4575,7 +4644,9 @@
           <p:txBody>
             <a:bodyPr wrap="square" lIns="0" tIns="0" rIns="0" bIns="0" rtlCol="0"/>
             <a:lstStyle/>
-            <a:p/>
+            <a:p>
+              <a:endParaRPr/>
+            </a:p>
           </p:txBody>
         </p:sp>
         <p:sp>
@@ -4655,7 +4726,9 @@
           <p:txBody>
             <a:bodyPr wrap="square" lIns="0" tIns="0" rIns="0" bIns="0" rtlCol="0"/>
             <a:lstStyle/>
-            <a:p/>
+            <a:p>
+              <a:endParaRPr/>
+            </a:p>
           </p:txBody>
         </p:sp>
       </p:grpSp>
@@ -4672,9 +4745,11 @@
         <p:spPr/>
         <p:txBody>
           <a:bodyPr/>
+          <a:lstStyle/>
           <a:p>
             <a:fld id="{B6F15528-21DE-4FAA-801E-634DDDAF4B2B}" type="slidenum">
               <a:rPr/>
+              <a:t>15</a:t>
             </a:fld>
             <a:endParaRPr/>
           </a:p>
@@ -6001,7 +6076,9 @@
         <p:txBody>
           <a:bodyPr wrap="square" lIns="0" tIns="0" rIns="0" bIns="0" rtlCol="0"/>
           <a:lstStyle/>
-          <a:p/>
+          <a:p>
+            <a:endParaRPr/>
+          </a:p>
         </p:txBody>
       </p:sp>
       <p:sp>
@@ -6586,7 +6663,9 @@
         <p:txBody>
           <a:bodyPr wrap="square" lIns="0" tIns="0" rIns="0" bIns="0" rtlCol="0"/>
           <a:lstStyle/>
-          <a:p/>
+          <a:p>
+            <a:endParaRPr/>
+          </a:p>
         </p:txBody>
       </p:sp>
       <p:sp>
@@ -7258,7 +7337,9 @@
         <p:txBody>
           <a:bodyPr wrap="square" lIns="0" tIns="0" rIns="0" bIns="0" rtlCol="0"/>
           <a:lstStyle/>
-          <a:p/>
+          <a:p>
+            <a:endParaRPr/>
+          </a:p>
         </p:txBody>
       </p:sp>
       <p:sp>
@@ -7490,17 +7571,7 @@
                 <a:latin typeface="Arial" panose="020B0604020202020204"/>
                 <a:cs typeface="Arial" panose="020B0604020202020204"/>
               </a:rPr>
-              <a:t>a</a:t>
-            </a:r>
-            <a:r>
-              <a:rPr sz="2400" b="1" spc="-25" dirty="0">
-                <a:solidFill>
-                  <a:srgbClr val="2A9FBC"/>
-                </a:solidFill>
-                <a:latin typeface="Arial" panose="020B0604020202020204"/>
-                <a:cs typeface="Arial" panose="020B0604020202020204"/>
-              </a:rPr>
-              <a:t>r</a:t>
+              <a:t>ar</a:t>
             </a:r>
             <a:r>
               <a:rPr sz="2400" b="1" spc="-70" dirty="0">
@@ -7616,7 +7687,9 @@
         <p:txBody>
           <a:bodyPr wrap="square" lIns="0" tIns="0" rIns="0" bIns="0" rtlCol="0"/>
           <a:lstStyle/>
-          <a:p/>
+          <a:p>
+            <a:endParaRPr/>
+          </a:p>
         </p:txBody>
       </p:sp>
       <p:sp>
@@ -7656,7 +7729,9 @@
         <p:txBody>
           <a:bodyPr wrap="square" lIns="0" tIns="0" rIns="0" bIns="0" rtlCol="0"/>
           <a:lstStyle/>
-          <a:p/>
+          <a:p>
+            <a:endParaRPr/>
+          </a:p>
         </p:txBody>
       </p:sp>
       <p:sp>
@@ -7696,7 +7771,9 @@
         <p:txBody>
           <a:bodyPr wrap="square" lIns="0" tIns="0" rIns="0" bIns="0" rtlCol="0"/>
           <a:lstStyle/>
-          <a:p/>
+          <a:p>
+            <a:endParaRPr/>
+          </a:p>
         </p:txBody>
       </p:sp>
       <p:sp>
@@ -7736,7 +7813,9 @@
         <p:txBody>
           <a:bodyPr wrap="square" lIns="0" tIns="0" rIns="0" bIns="0" rtlCol="0"/>
           <a:lstStyle/>
-          <a:p/>
+          <a:p>
+            <a:endParaRPr/>
+          </a:p>
         </p:txBody>
       </p:sp>
       <p:sp>
@@ -7752,9 +7831,11 @@
         <p:spPr/>
         <p:txBody>
           <a:bodyPr/>
+          <a:lstStyle/>
           <a:p>
             <a:fld id="{B6F15528-21DE-4FAA-801E-634DDDAF4B2B}" type="slidenum">
               <a:rPr/>
+              <a:t>16</a:t>
             </a:fld>
             <a:endParaRPr/>
           </a:p>
@@ -9081,7 +9162,9 @@
         <p:txBody>
           <a:bodyPr wrap="square" lIns="0" tIns="0" rIns="0" bIns="0" rtlCol="0"/>
           <a:lstStyle/>
-          <a:p/>
+          <a:p>
+            <a:endParaRPr/>
+          </a:p>
         </p:txBody>
       </p:sp>
       <p:sp>
@@ -9666,7 +9749,9 @@
         <p:txBody>
           <a:bodyPr wrap="square" lIns="0" tIns="0" rIns="0" bIns="0" rtlCol="0"/>
           <a:lstStyle/>
-          <a:p/>
+          <a:p>
+            <a:endParaRPr/>
+          </a:p>
         </p:txBody>
       </p:sp>
       <p:sp>
@@ -10338,7 +10423,9 @@
         <p:txBody>
           <a:bodyPr wrap="square" lIns="0" tIns="0" rIns="0" bIns="0" rtlCol="0"/>
           <a:lstStyle/>
-          <a:p/>
+          <a:p>
+            <a:endParaRPr/>
+          </a:p>
         </p:txBody>
       </p:sp>
       <p:sp>
@@ -10504,7 +10591,9 @@
           <p:txBody>
             <a:bodyPr wrap="square" lIns="0" tIns="0" rIns="0" bIns="0" rtlCol="0"/>
             <a:lstStyle/>
-            <a:p/>
+            <a:p>
+              <a:endParaRPr/>
+            </a:p>
           </p:txBody>
         </p:sp>
         <p:sp>
@@ -10552,7 +10641,9 @@
           <p:txBody>
             <a:bodyPr wrap="square" lIns="0" tIns="0" rIns="0" bIns="0" rtlCol="0"/>
             <a:lstStyle/>
-            <a:p/>
+            <a:p>
+              <a:endParaRPr/>
+            </a:p>
           </p:txBody>
         </p:sp>
       </p:grpSp>
@@ -10865,7 +10956,9 @@
           <p:txBody>
             <a:bodyPr wrap="square" lIns="0" tIns="0" rIns="0" bIns="0" rtlCol="0"/>
             <a:lstStyle/>
-            <a:p/>
+            <a:p>
+              <a:endParaRPr/>
+            </a:p>
           </p:txBody>
         </p:sp>
         <p:sp>
@@ -11077,7 +11170,9 @@
           <p:txBody>
             <a:bodyPr wrap="square" lIns="0" tIns="0" rIns="0" bIns="0" rtlCol="0"/>
             <a:lstStyle/>
-            <a:p/>
+            <a:p>
+              <a:endParaRPr/>
+            </a:p>
           </p:txBody>
         </p:sp>
       </p:grpSp>
@@ -11088,7 +11183,7 @@
           <p:nvPr/>
         </p:nvPicPr>
         <p:blipFill>
-          <a:blip r:embed="rId1" cstate="print"/>
+          <a:blip r:embed="rId2" cstate="print"/>
           <a:stretch>
             <a:fillRect/>
           </a:stretch>
@@ -11110,7 +11205,7 @@
           <p:nvPr/>
         </p:nvPicPr>
         <p:blipFill>
-          <a:blip r:embed="rId2" cstate="print"/>
+          <a:blip r:embed="rId3" cstate="print"/>
           <a:stretch>
             <a:fillRect/>
           </a:stretch>
@@ -11242,17 +11337,7 @@
                 <a:latin typeface="Arial" panose="020B0604020202020204"/>
                 <a:cs typeface="Arial" panose="020B0604020202020204"/>
               </a:rPr>
-              <a:t>a</a:t>
-            </a:r>
-            <a:r>
-              <a:rPr sz="2400" b="1" spc="-25" dirty="0">
-                <a:solidFill>
-                  <a:srgbClr val="2A9FBC"/>
-                </a:solidFill>
-                <a:latin typeface="Arial" panose="020B0604020202020204"/>
-                <a:cs typeface="Arial" panose="020B0604020202020204"/>
-              </a:rPr>
-              <a:t>r</a:t>
+              <a:t>ar</a:t>
             </a:r>
             <a:r>
               <a:rPr sz="2400" b="1" spc="-70" dirty="0">
@@ -11368,7 +11453,9 @@
         <p:txBody>
           <a:bodyPr wrap="square" lIns="0" tIns="0" rIns="0" bIns="0" rtlCol="0"/>
           <a:lstStyle/>
-          <a:p/>
+          <a:p>
+            <a:endParaRPr/>
+          </a:p>
         </p:txBody>
       </p:sp>
       <p:sp>
@@ -11408,7 +11495,9 @@
         <p:txBody>
           <a:bodyPr wrap="square" lIns="0" tIns="0" rIns="0" bIns="0" rtlCol="0"/>
           <a:lstStyle/>
-          <a:p/>
+          <a:p>
+            <a:endParaRPr/>
+          </a:p>
         </p:txBody>
       </p:sp>
       <p:sp>
@@ -11448,7 +11537,9 @@
         <p:txBody>
           <a:bodyPr wrap="square" lIns="0" tIns="0" rIns="0" bIns="0" rtlCol="0"/>
           <a:lstStyle/>
-          <a:p/>
+          <a:p>
+            <a:endParaRPr/>
+          </a:p>
         </p:txBody>
       </p:sp>
       <p:sp>
@@ -11488,7 +11579,9 @@
         <p:txBody>
           <a:bodyPr wrap="square" lIns="0" tIns="0" rIns="0" bIns="0" rtlCol="0"/>
           <a:lstStyle/>
-          <a:p/>
+          <a:p>
+            <a:endParaRPr/>
+          </a:p>
         </p:txBody>
       </p:sp>
       <p:sp>
@@ -11504,9 +11597,11 @@
         <p:spPr/>
         <p:txBody>
           <a:bodyPr/>
+          <a:lstStyle/>
           <a:p>
             <a:fld id="{B6F15528-21DE-4FAA-801E-634DDDAF4B2B}" type="slidenum">
               <a:rPr/>
+              <a:t>17</a:t>
             </a:fld>
             <a:endParaRPr/>
           </a:p>
@@ -11955,7 +12050,9 @@
         <p:txBody>
           <a:bodyPr wrap="square" lIns="0" tIns="0" rIns="0" bIns="0" rtlCol="0"/>
           <a:lstStyle/>
-          <a:p/>
+          <a:p>
+            <a:endParaRPr/>
+          </a:p>
         </p:txBody>
       </p:sp>
       <p:sp>
@@ -12081,7 +12178,7 @@
           <p:nvPr/>
         </p:nvPicPr>
         <p:blipFill>
-          <a:blip r:embed="rId1" cstate="print"/>
+          <a:blip r:embed="rId2" cstate="print"/>
           <a:stretch>
             <a:fillRect/>
           </a:stretch>
@@ -12154,7 +12251,7 @@
           <p:nvPr/>
         </p:nvPicPr>
         <p:blipFill>
-          <a:blip r:embed="rId2" cstate="print"/>
+          <a:blip r:embed="rId3" cstate="print"/>
           <a:stretch>
             <a:fillRect/>
           </a:stretch>
@@ -12233,9 +12330,11 @@
         <p:spPr/>
         <p:txBody>
           <a:bodyPr/>
+          <a:lstStyle/>
           <a:p>
             <a:fld id="{B6F15528-21DE-4FAA-801E-634DDDAF4B2B}" type="slidenum">
               <a:rPr/>
+              <a:t>18</a:t>
             </a:fld>
             <a:endParaRPr/>
           </a:p>
@@ -12303,7 +12402,6 @@
               <a:rPr spc="70" dirty="0"/>
               <a:t>Interpolation</a:t>
             </a:r>
-            <a:endParaRPr spc="70" dirty="0"/>
           </a:p>
         </p:txBody>
       </p:sp>
@@ -12884,9 +12982,11 @@
         <p:spPr/>
         <p:txBody>
           <a:bodyPr/>
+          <a:lstStyle/>
           <a:p>
             <a:fld id="{B6F15528-21DE-4FAA-801E-634DDDAF4B2B}" type="slidenum">
               <a:rPr/>
+              <a:t>19</a:t>
             </a:fld>
             <a:endParaRPr/>
           </a:p>
@@ -12924,7 +13024,7 @@
           <p:nvPr/>
         </p:nvPicPr>
         <p:blipFill>
-          <a:blip r:embed="rId1" cstate="print"/>
+          <a:blip r:embed="rId2" cstate="print"/>
           <a:stretch>
             <a:fillRect/>
           </a:stretch>
@@ -12952,9 +13052,11 @@
         <p:spPr/>
         <p:txBody>
           <a:bodyPr/>
+          <a:lstStyle/>
           <a:p>
             <a:fld id="{B6F15528-21DE-4FAA-801E-634DDDAF4B2B}" type="slidenum">
               <a:rPr/>
+              <a:t>2</a:t>
             </a:fld>
             <a:endParaRPr/>
           </a:p>
@@ -13391,9 +13493,11 @@
         <p:spPr/>
         <p:txBody>
           <a:bodyPr/>
+          <a:lstStyle/>
           <a:p>
             <a:fld id="{B6F15528-21DE-4FAA-801E-634DDDAF4B2B}" type="slidenum">
               <a:rPr/>
+              <a:t>20</a:t>
             </a:fld>
             <a:endParaRPr/>
           </a:p>
@@ -13469,7 +13573,6 @@
               <a:rPr spc="10" dirty="0"/>
               <a:t>Directives</a:t>
             </a:r>
-            <a:endParaRPr spc="10" dirty="0"/>
           </a:p>
         </p:txBody>
       </p:sp>
@@ -13520,7 +13623,9 @@
         <p:txBody>
           <a:bodyPr wrap="square" lIns="0" tIns="0" rIns="0" bIns="0" rtlCol="0"/>
           <a:lstStyle/>
-          <a:p/>
+          <a:p>
+            <a:endParaRPr/>
+          </a:p>
         </p:txBody>
       </p:sp>
       <p:sp>
@@ -13879,7 +13984,9 @@
         <p:txBody>
           <a:bodyPr wrap="square" lIns="0" tIns="0" rIns="0" bIns="0" rtlCol="0"/>
           <a:lstStyle/>
-          <a:p/>
+          <a:p>
+            <a:endParaRPr/>
+          </a:p>
         </p:txBody>
       </p:sp>
       <p:sp>
@@ -14229,9 +14336,11 @@
         <p:spPr/>
         <p:txBody>
           <a:bodyPr/>
+          <a:lstStyle/>
           <a:p>
             <a:fld id="{B6F15528-21DE-4FAA-801E-634DDDAF4B2B}" type="slidenum">
               <a:rPr/>
+              <a:t>21</a:t>
             </a:fld>
             <a:endParaRPr/>
           </a:p>
@@ -14315,7 +14424,6 @@
               <a:rPr spc="10" dirty="0"/>
               <a:t>Directives</a:t>
             </a:r>
-            <a:endParaRPr spc="10" dirty="0"/>
           </a:p>
         </p:txBody>
       </p:sp>
@@ -14559,7 +14667,9 @@
         <p:txBody>
           <a:bodyPr wrap="square" lIns="0" tIns="0" rIns="0" bIns="0" rtlCol="0"/>
           <a:lstStyle/>
-          <a:p/>
+          <a:p>
+            <a:endParaRPr/>
+          </a:p>
         </p:txBody>
       </p:sp>
       <p:sp>
@@ -14785,9 +14895,11 @@
         <p:spPr/>
         <p:txBody>
           <a:bodyPr/>
+          <a:lstStyle/>
           <a:p>
             <a:fld id="{B6F15528-21DE-4FAA-801E-634DDDAF4B2B}" type="slidenum">
               <a:rPr/>
+              <a:t>22</a:t>
             </a:fld>
             <a:endParaRPr/>
           </a:p>
@@ -14871,7 +14983,6 @@
               <a:rPr spc="40" dirty="0"/>
               <a:t>Directive</a:t>
             </a:r>
-            <a:endParaRPr spc="40" dirty="0"/>
           </a:p>
         </p:txBody>
       </p:sp>
@@ -15236,7 +15347,7 @@
           <p:nvPr/>
         </p:nvPicPr>
         <p:blipFill>
-          <a:blip r:embed="rId1" cstate="print"/>
+          <a:blip r:embed="rId2" cstate="print"/>
           <a:stretch>
             <a:fillRect/>
           </a:stretch>
@@ -15272,7 +15383,7 @@
             <p:nvPr/>
           </p:nvPicPr>
           <p:blipFill>
-            <a:blip r:embed="rId1" cstate="print"/>
+            <a:blip r:embed="rId2" cstate="print"/>
             <a:stretch>
               <a:fillRect/>
             </a:stretch>
@@ -15332,7 +15443,9 @@
           <p:txBody>
             <a:bodyPr wrap="square" lIns="0" tIns="0" rIns="0" bIns="0" rtlCol="0"/>
             <a:lstStyle/>
-            <a:p/>
+            <a:p>
+              <a:endParaRPr/>
+            </a:p>
           </p:txBody>
         </p:sp>
         <p:sp>
@@ -15382,7 +15495,9 @@
           <p:txBody>
             <a:bodyPr wrap="square" lIns="0" tIns="0" rIns="0" bIns="0" rtlCol="0"/>
             <a:lstStyle/>
-            <a:p/>
+            <a:p>
+              <a:endParaRPr/>
+            </a:p>
           </p:txBody>
         </p:sp>
       </p:grpSp>
@@ -15399,9 +15514,11 @@
         <p:spPr/>
         <p:txBody>
           <a:bodyPr/>
+          <a:lstStyle/>
           <a:p>
             <a:fld id="{B6F15528-21DE-4FAA-801E-634DDDAF4B2B}" type="slidenum">
               <a:rPr/>
+              <a:t>23</a:t>
             </a:fld>
             <a:endParaRPr/>
           </a:p>
@@ -16728,7 +16845,9 @@
         <p:txBody>
           <a:bodyPr wrap="square" lIns="0" tIns="0" rIns="0" bIns="0" rtlCol="0"/>
           <a:lstStyle/>
-          <a:p/>
+          <a:p>
+            <a:endParaRPr/>
+          </a:p>
         </p:txBody>
       </p:sp>
       <p:sp>
@@ -17313,7 +17432,9 @@
         <p:txBody>
           <a:bodyPr wrap="square" lIns="0" tIns="0" rIns="0" bIns="0" rtlCol="0"/>
           <a:lstStyle/>
-          <a:p/>
+          <a:p>
+            <a:endParaRPr/>
+          </a:p>
         </p:txBody>
       </p:sp>
       <p:sp>
@@ -17985,7 +18106,9 @@
         <p:txBody>
           <a:bodyPr wrap="square" lIns="0" tIns="0" rIns="0" bIns="0" rtlCol="0"/>
           <a:lstStyle/>
-          <a:p/>
+          <a:p>
+            <a:endParaRPr/>
+          </a:p>
         </p:txBody>
       </p:sp>
       <p:sp>
@@ -18137,7 +18260,9 @@
         <p:txBody>
           <a:bodyPr wrap="square" lIns="0" tIns="0" rIns="0" bIns="0" rtlCol="0"/>
           <a:lstStyle/>
-          <a:p/>
+          <a:p>
+            <a:endParaRPr/>
+          </a:p>
         </p:txBody>
       </p:sp>
       <p:sp>
@@ -18351,17 +18476,7 @@
                 <a:latin typeface="Arial" panose="020B0604020202020204"/>
                 <a:cs typeface="Arial" panose="020B0604020202020204"/>
               </a:rPr>
-              <a:t>a</a:t>
-            </a:r>
-            <a:r>
-              <a:rPr sz="2400" b="1" spc="-25" dirty="0">
-                <a:solidFill>
-                  <a:srgbClr val="2A9FBC"/>
-                </a:solidFill>
-                <a:latin typeface="Arial" panose="020B0604020202020204"/>
-                <a:cs typeface="Arial" panose="020B0604020202020204"/>
-              </a:rPr>
-              <a:t>r</a:t>
+              <a:t>ar</a:t>
             </a:r>
             <a:r>
               <a:rPr sz="2400" b="1" spc="-70" dirty="0">
@@ -18477,7 +18592,9 @@
         <p:txBody>
           <a:bodyPr wrap="square" lIns="0" tIns="0" rIns="0" bIns="0" rtlCol="0"/>
           <a:lstStyle/>
-          <a:p/>
+          <a:p>
+            <a:endParaRPr/>
+          </a:p>
         </p:txBody>
       </p:sp>
       <p:sp>
@@ -18517,7 +18634,9 @@
         <p:txBody>
           <a:bodyPr wrap="square" lIns="0" tIns="0" rIns="0" bIns="0" rtlCol="0"/>
           <a:lstStyle/>
-          <a:p/>
+          <a:p>
+            <a:endParaRPr/>
+          </a:p>
         </p:txBody>
       </p:sp>
       <p:sp>
@@ -18557,7 +18676,9 @@
         <p:txBody>
           <a:bodyPr wrap="square" lIns="0" tIns="0" rIns="0" bIns="0" rtlCol="0"/>
           <a:lstStyle/>
-          <a:p/>
+          <a:p>
+            <a:endParaRPr/>
+          </a:p>
         </p:txBody>
       </p:sp>
       <p:sp>
@@ -18597,7 +18718,9 @@
         <p:txBody>
           <a:bodyPr wrap="square" lIns="0" tIns="0" rIns="0" bIns="0" rtlCol="0"/>
           <a:lstStyle/>
-          <a:p/>
+          <a:p>
+            <a:endParaRPr/>
+          </a:p>
         </p:txBody>
       </p:sp>
       <p:sp>
@@ -18613,9 +18736,11 @@
         <p:spPr/>
         <p:txBody>
           <a:bodyPr/>
+          <a:lstStyle/>
           <a:p>
             <a:fld id="{B6F15528-21DE-4FAA-801E-634DDDAF4B2B}" type="slidenum">
               <a:rPr/>
+              <a:t>24</a:t>
             </a:fld>
             <a:endParaRPr/>
           </a:p>
@@ -18699,7 +18824,6 @@
               <a:rPr spc="40" dirty="0"/>
               <a:t>Directive</a:t>
             </a:r>
-            <a:endParaRPr spc="40" dirty="0"/>
           </a:p>
         </p:txBody>
       </p:sp>
@@ -19340,9 +19464,11 @@
         <p:spPr/>
         <p:txBody>
           <a:bodyPr/>
+          <a:lstStyle/>
           <a:p>
             <a:fld id="{B6F15528-21DE-4FAA-801E-634DDDAF4B2B}" type="slidenum">
               <a:rPr/>
+              <a:t>25</a:t>
             </a:fld>
             <a:endParaRPr/>
           </a:p>
@@ -19426,7 +19552,6 @@
               <a:rPr spc="35" dirty="0"/>
               <a:t>for…in</a:t>
             </a:r>
-            <a:endParaRPr spc="35" dirty="0"/>
           </a:p>
         </p:txBody>
       </p:sp>
@@ -19491,7 +19616,9 @@
           <p:txBody>
             <a:bodyPr wrap="square" lIns="0" tIns="0" rIns="0" bIns="0" rtlCol="0"/>
             <a:lstStyle/>
-            <a:p/>
+            <a:p>
+              <a:endParaRPr/>
+            </a:p>
           </p:txBody>
         </p:sp>
         <p:sp>
@@ -19647,7 +19774,9 @@
           <p:txBody>
             <a:bodyPr wrap="square" lIns="0" tIns="0" rIns="0" bIns="0" rtlCol="0"/>
             <a:lstStyle/>
-            <a:p/>
+            <a:p>
+              <a:endParaRPr/>
+            </a:p>
           </p:txBody>
         </p:sp>
         <p:sp>
@@ -19805,7 +19934,9 @@
           <p:txBody>
             <a:bodyPr wrap="square" lIns="0" tIns="0" rIns="0" bIns="0" rtlCol="0"/>
             <a:lstStyle/>
-            <a:p/>
+            <a:p>
+              <a:endParaRPr/>
+            </a:p>
           </p:txBody>
         </p:sp>
       </p:grpSp>
@@ -20152,7 +20283,9 @@
           <p:txBody>
             <a:bodyPr wrap="square" lIns="0" tIns="0" rIns="0" bIns="0" rtlCol="0"/>
             <a:lstStyle/>
-            <a:p/>
+            <a:p>
+              <a:endParaRPr/>
+            </a:p>
           </p:txBody>
         </p:sp>
         <p:sp>
@@ -20308,7 +20441,9 @@
           <p:txBody>
             <a:bodyPr wrap="square" lIns="0" tIns="0" rIns="0" bIns="0" rtlCol="0"/>
             <a:lstStyle/>
-            <a:p/>
+            <a:p>
+              <a:endParaRPr/>
+            </a:p>
           </p:txBody>
         </p:sp>
         <p:sp>
@@ -20466,7 +20601,9 @@
           <p:txBody>
             <a:bodyPr wrap="square" lIns="0" tIns="0" rIns="0" bIns="0" rtlCol="0"/>
             <a:lstStyle/>
-            <a:p/>
+            <a:p>
+              <a:endParaRPr/>
+            </a:p>
           </p:txBody>
         </p:sp>
       </p:grpSp>
@@ -21369,9 +21506,11 @@
         <p:spPr/>
         <p:txBody>
           <a:bodyPr/>
+          <a:lstStyle/>
           <a:p>
             <a:fld id="{B6F15528-21DE-4FAA-801E-634DDDAF4B2B}" type="slidenum">
               <a:rPr/>
+              <a:t>26</a:t>
             </a:fld>
             <a:endParaRPr/>
           </a:p>
@@ -21455,7 +21594,6 @@
               <a:rPr spc="40" dirty="0"/>
               <a:t>Directive</a:t>
             </a:r>
-            <a:endParaRPr spc="40" dirty="0"/>
           </a:p>
         </p:txBody>
       </p:sp>
@@ -22096,9 +22234,11 @@
         <p:spPr/>
         <p:txBody>
           <a:bodyPr/>
+          <a:lstStyle/>
           <a:p>
             <a:fld id="{B6F15528-21DE-4FAA-801E-634DDDAF4B2B}" type="slidenum">
               <a:rPr/>
+              <a:t>27</a:t>
             </a:fld>
             <a:endParaRPr/>
           </a:p>
@@ -22188,7 +22328,9 @@
           <p:txBody>
             <a:bodyPr wrap="square" lIns="0" tIns="0" rIns="0" bIns="0" rtlCol="0"/>
             <a:lstStyle/>
-            <a:p/>
+            <a:p>
+              <a:endParaRPr/>
+            </a:p>
           </p:txBody>
         </p:sp>
         <p:sp>
@@ -22236,7 +22378,9 @@
           <p:txBody>
             <a:bodyPr wrap="square" lIns="0" tIns="0" rIns="0" bIns="0" rtlCol="0"/>
             <a:lstStyle/>
-            <a:p/>
+            <a:p>
+              <a:endParaRPr/>
+            </a:p>
           </p:txBody>
         </p:sp>
         <p:sp>
@@ -22286,7 +22430,9 @@
           <p:txBody>
             <a:bodyPr wrap="square" lIns="0" tIns="0" rIns="0" bIns="0" rtlCol="0"/>
             <a:lstStyle/>
-            <a:p/>
+            <a:p>
+              <a:endParaRPr/>
+            </a:p>
           </p:txBody>
         </p:sp>
         <p:pic>
@@ -22296,7 +22442,7 @@
             <p:nvPr/>
           </p:nvPicPr>
           <p:blipFill>
-            <a:blip r:embed="rId1" cstate="print"/>
+            <a:blip r:embed="rId2" cstate="print"/>
             <a:stretch>
               <a:fillRect/>
             </a:stretch>
@@ -22574,17 +22720,7 @@
                 <a:latin typeface="Arial" panose="020B0604020202020204"/>
                 <a:cs typeface="Arial" panose="020B0604020202020204"/>
               </a:rPr>
-              <a:t>c</a:t>
-            </a:r>
-            <a:r>
-              <a:rPr sz="3600" b="1" dirty="0">
-                <a:solidFill>
-                  <a:srgbClr val="9BC850"/>
-                </a:solidFill>
-                <a:latin typeface="Arial" panose="020B0604020202020204"/>
-                <a:cs typeface="Arial" panose="020B0604020202020204"/>
-              </a:rPr>
-              <a:t>i</a:t>
+              <a:t>ci</a:t>
             </a:r>
             <a:r>
               <a:rPr sz="3600" b="1" spc="60" dirty="0">
@@ -23421,9 +23557,11 @@
         <p:spPr/>
         <p:txBody>
           <a:bodyPr/>
+          <a:lstStyle/>
           <a:p>
             <a:fld id="{B6F15528-21DE-4FAA-801E-634DDDAF4B2B}" type="slidenum">
               <a:rPr/>
+              <a:t>28</a:t>
             </a:fld>
             <a:endParaRPr/>
           </a:p>
@@ -23513,7 +23651,9 @@
           <p:txBody>
             <a:bodyPr wrap="square" lIns="0" tIns="0" rIns="0" bIns="0" rtlCol="0"/>
             <a:lstStyle/>
-            <a:p/>
+            <a:p>
+              <a:endParaRPr/>
+            </a:p>
           </p:txBody>
         </p:sp>
         <p:sp>
@@ -23561,7 +23701,9 @@
           <p:txBody>
             <a:bodyPr wrap="square" lIns="0" tIns="0" rIns="0" bIns="0" rtlCol="0"/>
             <a:lstStyle/>
-            <a:p/>
+            <a:p>
+              <a:endParaRPr/>
+            </a:p>
           </p:txBody>
         </p:sp>
         <p:sp>
@@ -23611,7 +23753,9 @@
           <p:txBody>
             <a:bodyPr wrap="square" lIns="0" tIns="0" rIns="0" bIns="0" rtlCol="0"/>
             <a:lstStyle/>
-            <a:p/>
+            <a:p>
+              <a:endParaRPr/>
+            </a:p>
           </p:txBody>
         </p:sp>
         <p:pic>
@@ -23621,7 +23765,7 @@
             <p:nvPr/>
           </p:nvPicPr>
           <p:blipFill>
-            <a:blip r:embed="rId1" cstate="print"/>
+            <a:blip r:embed="rId2" cstate="print"/>
             <a:stretch>
               <a:fillRect/>
             </a:stretch>
@@ -23899,17 +24043,7 @@
                 <a:latin typeface="Arial" panose="020B0604020202020204"/>
                 <a:cs typeface="Arial" panose="020B0604020202020204"/>
               </a:rPr>
-              <a:t>c</a:t>
-            </a:r>
-            <a:r>
-              <a:rPr sz="3600" b="1" dirty="0">
-                <a:solidFill>
-                  <a:srgbClr val="9BC850"/>
-                </a:solidFill>
-                <a:latin typeface="Arial" panose="020B0604020202020204"/>
-                <a:cs typeface="Arial" panose="020B0604020202020204"/>
-              </a:rPr>
-              <a:t>i</a:t>
+              <a:t>ci</a:t>
             </a:r>
             <a:r>
               <a:rPr sz="3600" b="1" spc="60" dirty="0">
@@ -24286,9 +24420,11 @@
         <p:spPr/>
         <p:txBody>
           <a:bodyPr/>
+          <a:lstStyle/>
           <a:p>
             <a:fld id="{B6F15528-21DE-4FAA-801E-634DDDAF4B2B}" type="slidenum">
               <a:rPr/>
+              <a:t>29</a:t>
             </a:fld>
             <a:endParaRPr/>
           </a:p>
@@ -24372,7 +24508,6 @@
               <a:rPr spc="-90" dirty="0"/>
               <a:t>HTML</a:t>
             </a:r>
-            <a:endParaRPr spc="-90" dirty="0"/>
           </a:p>
         </p:txBody>
       </p:sp>
@@ -24685,7 +24820,7 @@
           <p:nvPr/>
         </p:nvPicPr>
         <p:blipFill>
-          <a:blip r:embed="rId1" cstate="print"/>
+          <a:blip r:embed="rId2" cstate="print"/>
           <a:stretch>
             <a:fillRect/>
           </a:stretch>
@@ -24707,7 +24842,7 @@
           <p:nvPr/>
         </p:nvPicPr>
         <p:blipFill>
-          <a:blip r:embed="rId2" cstate="print"/>
+          <a:blip r:embed="rId3" cstate="print"/>
           <a:stretch>
             <a:fillRect/>
           </a:stretch>
@@ -24729,7 +24864,7 @@
           <p:nvPr/>
         </p:nvPicPr>
         <p:blipFill>
-          <a:blip r:embed="rId3" cstate="print"/>
+          <a:blip r:embed="rId4" cstate="print"/>
           <a:stretch>
             <a:fillRect/>
           </a:stretch>
@@ -24757,9 +24892,11 @@
         <p:spPr/>
         <p:txBody>
           <a:bodyPr/>
+          <a:lstStyle/>
           <a:p>
             <a:fld id="{B6F15528-21DE-4FAA-801E-634DDDAF4B2B}" type="slidenum">
               <a:rPr/>
+              <a:t>3</a:t>
             </a:fld>
             <a:endParaRPr/>
           </a:p>
@@ -24887,11 +25024,6 @@
               </a:rPr>
               <a:t>Directive</a:t>
             </a:r>
-            <a:endParaRPr spc="40" dirty="0">
-              <a:solidFill>
-                <a:srgbClr val="9BC850"/>
-              </a:solidFill>
-            </a:endParaRPr>
           </a:p>
         </p:txBody>
       </p:sp>
@@ -26084,7 +26216,9 @@
           <p:txBody>
             <a:bodyPr wrap="square" lIns="0" tIns="0" rIns="0" bIns="0" rtlCol="0"/>
             <a:lstStyle/>
-            <a:p/>
+            <a:p>
+              <a:endParaRPr/>
+            </a:p>
           </p:txBody>
         </p:sp>
         <p:sp>
@@ -26296,7 +26430,9 @@
           <p:txBody>
             <a:bodyPr wrap="square" lIns="0" tIns="0" rIns="0" bIns="0" rtlCol="0"/>
             <a:lstStyle/>
-            <a:p/>
+            <a:p>
+              <a:endParaRPr/>
+            </a:p>
           </p:txBody>
         </p:sp>
       </p:grpSp>
@@ -26389,7 +26525,9 @@
           <p:txBody>
             <a:bodyPr wrap="square" lIns="0" tIns="0" rIns="0" bIns="0" rtlCol="0"/>
             <a:lstStyle/>
-            <a:p/>
+            <a:p>
+              <a:endParaRPr/>
+            </a:p>
           </p:txBody>
         </p:sp>
         <p:sp>
@@ -26469,7 +26607,9 @@
           <p:txBody>
             <a:bodyPr wrap="square" lIns="0" tIns="0" rIns="0" bIns="0" rtlCol="0"/>
             <a:lstStyle/>
-            <a:p/>
+            <a:p>
+              <a:endParaRPr/>
+            </a:p>
           </p:txBody>
         </p:sp>
       </p:grpSp>
@@ -26486,9 +26626,11 @@
         <p:spPr/>
         <p:txBody>
           <a:bodyPr/>
+          <a:lstStyle/>
           <a:p>
             <a:fld id="{B6F15528-21DE-4FAA-801E-634DDDAF4B2B}" type="slidenum">
               <a:rPr/>
+              <a:t>30</a:t>
             </a:fld>
             <a:endParaRPr/>
           </a:p>
@@ -26578,7 +26720,9 @@
           <p:txBody>
             <a:bodyPr wrap="square" lIns="0" tIns="0" rIns="0" bIns="0" rtlCol="0"/>
             <a:lstStyle/>
-            <a:p/>
+            <a:p>
+              <a:endParaRPr/>
+            </a:p>
           </p:txBody>
         </p:sp>
         <p:sp>
@@ -26626,7 +26770,9 @@
           <p:txBody>
             <a:bodyPr wrap="square" lIns="0" tIns="0" rIns="0" bIns="0" rtlCol="0"/>
             <a:lstStyle/>
-            <a:p/>
+            <a:p>
+              <a:endParaRPr/>
+            </a:p>
           </p:txBody>
         </p:sp>
         <p:sp>
@@ -26676,7 +26822,9 @@
           <p:txBody>
             <a:bodyPr wrap="square" lIns="0" tIns="0" rIns="0" bIns="0" rtlCol="0"/>
             <a:lstStyle/>
-            <a:p/>
+            <a:p>
+              <a:endParaRPr/>
+            </a:p>
           </p:txBody>
         </p:sp>
         <p:pic>
@@ -26686,7 +26834,7 @@
             <p:nvPr/>
           </p:nvPicPr>
           <p:blipFill>
-            <a:blip r:embed="rId1" cstate="print"/>
+            <a:blip r:embed="rId2" cstate="print"/>
             <a:stretch>
               <a:fillRect/>
             </a:stretch>
@@ -27530,9 +27678,11 @@
         <p:spPr/>
         <p:txBody>
           <a:bodyPr/>
+          <a:lstStyle/>
           <a:p>
             <a:fld id="{B6F15528-21DE-4FAA-801E-634DDDAF4B2B}" type="slidenum">
               <a:rPr/>
+              <a:t>31</a:t>
             </a:fld>
             <a:endParaRPr/>
           </a:p>
@@ -27622,7 +27772,9 @@
           <p:txBody>
             <a:bodyPr wrap="square" lIns="0" tIns="0" rIns="0" bIns="0" rtlCol="0"/>
             <a:lstStyle/>
-            <a:p/>
+            <a:p>
+              <a:endParaRPr/>
+            </a:p>
           </p:txBody>
         </p:sp>
         <p:sp>
@@ -27670,7 +27822,9 @@
           <p:txBody>
             <a:bodyPr wrap="square" lIns="0" tIns="0" rIns="0" bIns="0" rtlCol="0"/>
             <a:lstStyle/>
-            <a:p/>
+            <a:p>
+              <a:endParaRPr/>
+            </a:p>
           </p:txBody>
         </p:sp>
         <p:sp>
@@ -27720,7 +27874,9 @@
           <p:txBody>
             <a:bodyPr wrap="square" lIns="0" tIns="0" rIns="0" bIns="0" rtlCol="0"/>
             <a:lstStyle/>
-            <a:p/>
+            <a:p>
+              <a:endParaRPr/>
+            </a:p>
           </p:txBody>
         </p:sp>
         <p:pic>
@@ -27730,7 +27886,7 @@
             <p:nvPr/>
           </p:nvPicPr>
           <p:blipFill>
-            <a:blip r:embed="rId1" cstate="print"/>
+            <a:blip r:embed="rId2" cstate="print"/>
             <a:stretch>
               <a:fillRect/>
             </a:stretch>
@@ -28254,9 +28410,11 @@
         <p:spPr/>
         <p:txBody>
           <a:bodyPr/>
+          <a:lstStyle/>
           <a:p>
             <a:fld id="{B6F15528-21DE-4FAA-801E-634DDDAF4B2B}" type="slidenum">
               <a:rPr/>
+              <a:t>32</a:t>
             </a:fld>
             <a:endParaRPr/>
           </a:p>
@@ -28346,7 +28504,9 @@
           <p:txBody>
             <a:bodyPr wrap="square" lIns="0" tIns="0" rIns="0" bIns="0" rtlCol="0"/>
             <a:lstStyle/>
-            <a:p/>
+            <a:p>
+              <a:endParaRPr/>
+            </a:p>
           </p:txBody>
         </p:sp>
         <p:sp>
@@ -28394,7 +28554,9 @@
           <p:txBody>
             <a:bodyPr wrap="square" lIns="0" tIns="0" rIns="0" bIns="0" rtlCol="0"/>
             <a:lstStyle/>
-            <a:p/>
+            <a:p>
+              <a:endParaRPr/>
+            </a:p>
           </p:txBody>
         </p:sp>
         <p:sp>
@@ -28444,7 +28606,9 @@
           <p:txBody>
             <a:bodyPr wrap="square" lIns="0" tIns="0" rIns="0" bIns="0" rtlCol="0"/>
             <a:lstStyle/>
-            <a:p/>
+            <a:p>
+              <a:endParaRPr/>
+            </a:p>
           </p:txBody>
         </p:sp>
         <p:pic>
@@ -28454,7 +28618,7 @@
             <p:nvPr/>
           </p:nvPicPr>
           <p:blipFill>
-            <a:blip r:embed="rId1" cstate="print"/>
+            <a:blip r:embed="rId2" cstate="print"/>
             <a:stretch>
               <a:fillRect/>
             </a:stretch>
@@ -29271,9 +29435,11 @@
         <p:spPr/>
         <p:txBody>
           <a:bodyPr/>
+          <a:lstStyle/>
           <a:p>
             <a:fld id="{B6F15528-21DE-4FAA-801E-634DDDAF4B2B}" type="slidenum">
               <a:rPr/>
+              <a:t>33</a:t>
             </a:fld>
             <a:endParaRPr/>
           </a:p>
@@ -29363,7 +29529,9 @@
           <p:txBody>
             <a:bodyPr wrap="square" lIns="0" tIns="0" rIns="0" bIns="0" rtlCol="0"/>
             <a:lstStyle/>
-            <a:p/>
+            <a:p>
+              <a:endParaRPr/>
+            </a:p>
           </p:txBody>
         </p:sp>
         <p:sp>
@@ -29411,7 +29579,9 @@
           <p:txBody>
             <a:bodyPr wrap="square" lIns="0" tIns="0" rIns="0" bIns="0" rtlCol="0"/>
             <a:lstStyle/>
-            <a:p/>
+            <a:p>
+              <a:endParaRPr/>
+            </a:p>
           </p:txBody>
         </p:sp>
         <p:sp>
@@ -29461,7 +29631,9 @@
           <p:txBody>
             <a:bodyPr wrap="square" lIns="0" tIns="0" rIns="0" bIns="0" rtlCol="0"/>
             <a:lstStyle/>
-            <a:p/>
+            <a:p>
+              <a:endParaRPr/>
+            </a:p>
           </p:txBody>
         </p:sp>
         <p:pic>
@@ -29471,7 +29643,7 @@
             <p:nvPr/>
           </p:nvPicPr>
           <p:blipFill>
-            <a:blip r:embed="rId1" cstate="print"/>
+            <a:blip r:embed="rId2" cstate="print"/>
             <a:stretch>
               <a:fillRect/>
             </a:stretch>
@@ -29715,7 +29887,6 @@
               <a:rPr spc="30" dirty="0"/>
               <a:t>DOM</a:t>
             </a:r>
-            <a:endParaRPr spc="30" dirty="0"/>
           </a:p>
           <a:p>
             <a:pPr marL="374650">
@@ -29846,10 +30017,6 @@
               </a:rPr>
               <a:t>let</a:t>
             </a:r>
-            <a:endParaRPr b="0" dirty="0">
-              <a:latin typeface="Courier New" panose="02070309020205020404"/>
-              <a:cs typeface="Courier New" panose="02070309020205020404"/>
-            </a:endParaRPr>
           </a:p>
           <a:p>
             <a:pPr marL="22860">
@@ -29883,7 +30050,6 @@
               <a:rPr spc="-15" dirty="0"/>
               <a:t>'</a:t>
             </a:r>
-            <a:endParaRPr spc="-15" dirty="0"/>
           </a:p>
         </p:txBody>
       </p:sp>
@@ -30113,9 +30279,11 @@
         <p:spPr/>
         <p:txBody>
           <a:bodyPr/>
+          <a:lstStyle/>
           <a:p>
             <a:fld id="{B6F15528-21DE-4FAA-801E-634DDDAF4B2B}" type="slidenum">
               <a:rPr/>
+              <a:t>34</a:t>
             </a:fld>
             <a:endParaRPr/>
           </a:p>
@@ -30191,7 +30359,6 @@
               <a:rPr spc="110" dirty="0"/>
               <a:t>Architecture</a:t>
             </a:r>
-            <a:endParaRPr spc="110" dirty="0"/>
           </a:p>
         </p:txBody>
       </p:sp>
@@ -30276,7 +30443,9 @@
         <p:txBody>
           <a:bodyPr wrap="square" lIns="0" tIns="0" rIns="0" bIns="0" rtlCol="0"/>
           <a:lstStyle/>
-          <a:p/>
+          <a:p>
+            <a:endParaRPr/>
+          </a:p>
         </p:txBody>
       </p:sp>
       <p:sp>
@@ -30381,7 +30550,9 @@
         <p:txBody>
           <a:bodyPr wrap="square" lIns="0" tIns="0" rIns="0" bIns="0" rtlCol="0"/>
           <a:lstStyle/>
-          <a:p/>
+          <a:p>
+            <a:endParaRPr/>
+          </a:p>
         </p:txBody>
       </p:sp>
       <p:sp>
@@ -30468,7 +30639,9 @@
         <p:txBody>
           <a:bodyPr wrap="square" lIns="0" tIns="0" rIns="0" bIns="0" rtlCol="0"/>
           <a:lstStyle/>
-          <a:p/>
+          <a:p>
+            <a:endParaRPr/>
+          </a:p>
         </p:txBody>
       </p:sp>
       <p:sp>
@@ -30558,7 +30731,9 @@
         <p:txBody>
           <a:bodyPr wrap="square" lIns="0" tIns="0" rIns="0" bIns="0" rtlCol="0"/>
           <a:lstStyle/>
-          <a:p/>
+          <a:p>
+            <a:endParaRPr/>
+          </a:p>
         </p:txBody>
       </p:sp>
       <p:sp>
@@ -31282,9 +31457,11 @@
         <p:spPr/>
         <p:txBody>
           <a:bodyPr/>
+          <a:lstStyle/>
           <a:p>
             <a:fld id="{B6F15528-21DE-4FAA-801E-634DDDAF4B2B}" type="slidenum">
               <a:rPr/>
+              <a:t>35</a:t>
             </a:fld>
             <a:endParaRPr/>
           </a:p>
@@ -31360,7 +31537,6 @@
               <a:rPr spc="110" dirty="0"/>
               <a:t>Architecture</a:t>
             </a:r>
-            <a:endParaRPr spc="110" dirty="0"/>
           </a:p>
         </p:txBody>
       </p:sp>
@@ -31445,7 +31621,9 @@
         <p:txBody>
           <a:bodyPr wrap="square" lIns="0" tIns="0" rIns="0" bIns="0" rtlCol="0"/>
           <a:lstStyle/>
-          <a:p/>
+          <a:p>
+            <a:endParaRPr/>
+          </a:p>
         </p:txBody>
       </p:sp>
       <p:sp>
@@ -31550,7 +31728,9 @@
         <p:txBody>
           <a:bodyPr wrap="square" lIns="0" tIns="0" rIns="0" bIns="0" rtlCol="0"/>
           <a:lstStyle/>
-          <a:p/>
+          <a:p>
+            <a:endParaRPr/>
+          </a:p>
         </p:txBody>
       </p:sp>
       <p:sp>
@@ -31637,7 +31817,9 @@
         <p:txBody>
           <a:bodyPr wrap="square" lIns="0" tIns="0" rIns="0" bIns="0" rtlCol="0"/>
           <a:lstStyle/>
-          <a:p/>
+          <a:p>
+            <a:endParaRPr/>
+          </a:p>
         </p:txBody>
       </p:sp>
       <p:sp>
@@ -31727,7 +31909,9 @@
         <p:txBody>
           <a:bodyPr wrap="square" lIns="0" tIns="0" rIns="0" bIns="0" rtlCol="0"/>
           <a:lstStyle/>
-          <a:p/>
+          <a:p>
+            <a:endParaRPr/>
+          </a:p>
         </p:txBody>
       </p:sp>
       <p:sp>
@@ -32451,9 +32635,11 @@
         <p:spPr/>
         <p:txBody>
           <a:bodyPr/>
+          <a:lstStyle/>
           <a:p>
             <a:fld id="{B6F15528-21DE-4FAA-801E-634DDDAF4B2B}" type="slidenum">
               <a:rPr/>
+              <a:t>36</a:t>
             </a:fld>
             <a:endParaRPr/>
           </a:p>
@@ -32808,7 +32994,7 @@
             <p:nvPr/>
           </p:nvPicPr>
           <p:blipFill>
-            <a:blip r:embed="rId1" cstate="print"/>
+            <a:blip r:embed="rId2" cstate="print"/>
             <a:stretch>
               <a:fillRect/>
             </a:stretch>
@@ -32868,7 +33054,9 @@
           <p:txBody>
             <a:bodyPr wrap="square" lIns="0" tIns="0" rIns="0" bIns="0" rtlCol="0"/>
             <a:lstStyle/>
-            <a:p/>
+            <a:p>
+              <a:endParaRPr/>
+            </a:p>
           </p:txBody>
         </p:sp>
       </p:grpSp>
@@ -32885,9 +33073,11 @@
         <p:spPr/>
         <p:txBody>
           <a:bodyPr/>
+          <a:lstStyle/>
           <a:p>
             <a:fld id="{B6F15528-21DE-4FAA-801E-634DDDAF4B2B}" type="slidenum">
               <a:rPr/>
+              <a:t>37</a:t>
             </a:fld>
             <a:endParaRPr/>
           </a:p>
@@ -32955,7 +33145,6 @@
               <a:rPr spc="110" dirty="0"/>
               <a:t>Component</a:t>
             </a:r>
-            <a:endParaRPr spc="110" dirty="0"/>
           </a:p>
         </p:txBody>
       </p:sp>
@@ -33129,7 +33318,9 @@
         <p:txBody>
           <a:bodyPr wrap="square" lIns="0" tIns="0" rIns="0" bIns="0" rtlCol="0"/>
           <a:lstStyle/>
-          <a:p/>
+          <a:p>
+            <a:endParaRPr/>
+          </a:p>
         </p:txBody>
       </p:sp>
       <p:sp>
@@ -33304,7 +33495,7 @@
           <p:nvPr/>
         </p:nvPicPr>
         <p:blipFill>
-          <a:blip r:embed="rId1" cstate="print"/>
+          <a:blip r:embed="rId2" cstate="print"/>
           <a:stretch>
             <a:fillRect/>
           </a:stretch>
@@ -33377,7 +33568,7 @@
           <p:nvPr/>
         </p:nvPicPr>
         <p:blipFill>
-          <a:blip r:embed="rId2" cstate="print"/>
+          <a:blip r:embed="rId3" cstate="print"/>
           <a:stretch>
             <a:fillRect/>
           </a:stretch>
@@ -33570,9 +33761,11 @@
         <p:spPr/>
         <p:txBody>
           <a:bodyPr/>
+          <a:lstStyle/>
           <a:p>
             <a:fld id="{B6F15528-21DE-4FAA-801E-634DDDAF4B2B}" type="slidenum">
               <a:rPr/>
+              <a:t>4</a:t>
             </a:fld>
             <a:endParaRPr/>
           </a:p>
@@ -34022,9 +34215,11 @@
         <p:spPr/>
         <p:txBody>
           <a:bodyPr/>
+          <a:lstStyle/>
           <a:p>
             <a:fld id="{B6F15528-21DE-4FAA-801E-634DDDAF4B2B}" type="slidenum">
               <a:rPr/>
+              <a:t>5</a:t>
             </a:fld>
             <a:endParaRPr/>
           </a:p>
@@ -34100,7 +34295,6 @@
               <a:rPr spc="110" dirty="0"/>
               <a:t>Architecture</a:t>
             </a:r>
-            <a:endParaRPr spc="110" dirty="0"/>
           </a:p>
         </p:txBody>
       </p:sp>
@@ -34185,7 +34379,9 @@
         <p:txBody>
           <a:bodyPr wrap="square" lIns="0" tIns="0" rIns="0" bIns="0" rtlCol="0"/>
           <a:lstStyle/>
-          <a:p/>
+          <a:p>
+            <a:endParaRPr/>
+          </a:p>
         </p:txBody>
       </p:sp>
       <p:sp>
@@ -34290,7 +34486,9 @@
         <p:txBody>
           <a:bodyPr wrap="square" lIns="0" tIns="0" rIns="0" bIns="0" rtlCol="0"/>
           <a:lstStyle/>
-          <a:p/>
+          <a:p>
+            <a:endParaRPr/>
+          </a:p>
         </p:txBody>
       </p:sp>
       <p:sp>
@@ -34377,7 +34575,9 @@
         <p:txBody>
           <a:bodyPr wrap="square" lIns="0" tIns="0" rIns="0" bIns="0" rtlCol="0"/>
           <a:lstStyle/>
-          <a:p/>
+          <a:p>
+            <a:endParaRPr/>
+          </a:p>
         </p:txBody>
       </p:sp>
       <p:sp>
@@ -34467,7 +34667,9 @@
         <p:txBody>
           <a:bodyPr wrap="square" lIns="0" tIns="0" rIns="0" bIns="0" rtlCol="0"/>
           <a:lstStyle/>
-          <a:p/>
+          <a:p>
+            <a:endParaRPr/>
+          </a:p>
         </p:txBody>
       </p:sp>
       <p:sp>
@@ -35191,9 +35393,11 @@
         <p:spPr/>
         <p:txBody>
           <a:bodyPr/>
+          <a:lstStyle/>
           <a:p>
             <a:fld id="{B6F15528-21DE-4FAA-801E-634DDDAF4B2B}" type="slidenum">
               <a:rPr/>
+              <a:t>6</a:t>
             </a:fld>
             <a:endParaRPr/>
           </a:p>
@@ -35261,7 +35465,6 @@
               <a:rPr spc="110" dirty="0"/>
               <a:t>Component</a:t>
             </a:r>
-            <a:endParaRPr spc="110" dirty="0"/>
           </a:p>
         </p:txBody>
       </p:sp>
@@ -35312,7 +35515,9 @@
         <p:txBody>
           <a:bodyPr wrap="square" lIns="0" tIns="0" rIns="0" bIns="0" rtlCol="0"/>
           <a:lstStyle/>
-          <a:p/>
+          <a:p>
+            <a:endParaRPr/>
+          </a:p>
         </p:txBody>
       </p:sp>
       <p:sp>
@@ -35965,9 +36170,11 @@
         <p:spPr/>
         <p:txBody>
           <a:bodyPr/>
+          <a:lstStyle/>
           <a:p>
             <a:fld id="{B6F15528-21DE-4FAA-801E-634DDDAF4B2B}" type="slidenum">
               <a:rPr/>
+              <a:t>7</a:t>
             </a:fld>
             <a:endParaRPr/>
           </a:p>
@@ -36075,7 +36282,6 @@
               <a:rPr spc="114" dirty="0"/>
               <a:t>Component</a:t>
             </a:r>
-            <a:endParaRPr spc="114" dirty="0"/>
           </a:p>
         </p:txBody>
       </p:sp>
@@ -36186,7 +36392,9 @@
           <p:txBody>
             <a:bodyPr wrap="square" lIns="0" tIns="0" rIns="0" bIns="0" rtlCol="0"/>
             <a:lstStyle/>
-            <a:p/>
+            <a:p>
+              <a:endParaRPr/>
+            </a:p>
           </p:txBody>
         </p:sp>
         <p:sp>
@@ -36452,7 +36660,9 @@
           <p:txBody>
             <a:bodyPr wrap="square" lIns="0" tIns="0" rIns="0" bIns="0" rtlCol="0"/>
             <a:lstStyle/>
-            <a:p/>
+            <a:p>
+              <a:endParaRPr/>
+            </a:p>
           </p:txBody>
         </p:sp>
         <p:sp>
@@ -36718,7 +36928,9 @@
           <p:txBody>
             <a:bodyPr wrap="square" lIns="0" tIns="0" rIns="0" bIns="0" rtlCol="0"/>
             <a:lstStyle/>
-            <a:p/>
+            <a:p>
+              <a:endParaRPr/>
+            </a:p>
           </p:txBody>
         </p:sp>
       </p:grpSp>
@@ -36935,7 +37147,9 @@
           <p:txBody>
             <a:bodyPr wrap="square" lIns="0" tIns="0" rIns="0" bIns="0" rtlCol="0"/>
             <a:lstStyle/>
-            <a:p/>
+            <a:p>
+              <a:endParaRPr/>
+            </a:p>
           </p:txBody>
         </p:sp>
         <p:sp>
@@ -37201,7 +37415,9 @@
           <p:txBody>
             <a:bodyPr wrap="square" lIns="0" tIns="0" rIns="0" bIns="0" rtlCol="0"/>
             <a:lstStyle/>
-            <a:p/>
+            <a:p>
+              <a:endParaRPr/>
+            </a:p>
           </p:txBody>
         </p:sp>
         <p:sp>
@@ -37467,7 +37683,9 @@
           <p:txBody>
             <a:bodyPr wrap="square" lIns="0" tIns="0" rIns="0" bIns="0" rtlCol="0"/>
             <a:lstStyle/>
-            <a:p/>
+            <a:p>
+              <a:endParaRPr/>
+            </a:p>
           </p:txBody>
         </p:sp>
       </p:grpSp>
@@ -37860,7 +38078,9 @@
         <p:txBody>
           <a:bodyPr wrap="square" lIns="0" tIns="0" rIns="0" bIns="0" rtlCol="0"/>
           <a:lstStyle/>
-          <a:p/>
+          <a:p>
+            <a:endParaRPr/>
+          </a:p>
         </p:txBody>
       </p:sp>
       <p:sp>
@@ -38270,7 +38490,9 @@
           <p:txBody>
             <a:bodyPr wrap="square" lIns="0" tIns="0" rIns="0" bIns="0" rtlCol="0"/>
             <a:lstStyle/>
-            <a:p/>
+            <a:p>
+              <a:endParaRPr/>
+            </a:p>
           </p:txBody>
         </p:sp>
         <p:sp>
@@ -38536,7 +38758,9 @@
           <p:txBody>
             <a:bodyPr wrap="square" lIns="0" tIns="0" rIns="0" bIns="0" rtlCol="0"/>
             <a:lstStyle/>
-            <a:p/>
+            <a:p>
+              <a:endParaRPr/>
+            </a:p>
           </p:txBody>
         </p:sp>
       </p:grpSp>
@@ -38658,7 +38882,9 @@
         <p:txBody>
           <a:bodyPr wrap="square" lIns="0" tIns="0" rIns="0" bIns="0" rtlCol="0"/>
           <a:lstStyle/>
-          <a:p/>
+          <a:p>
+            <a:endParaRPr/>
+          </a:p>
         </p:txBody>
       </p:sp>
       <p:sp>
@@ -38829,9 +39055,11 @@
         <p:spPr/>
         <p:txBody>
           <a:bodyPr/>
+          <a:lstStyle/>
           <a:p>
             <a:fld id="{B6F15528-21DE-4FAA-801E-634DDDAF4B2B}" type="slidenum">
               <a:rPr/>
+              <a:t>8</a:t>
             </a:fld>
             <a:endParaRPr/>
           </a:p>
@@ -38911,7 +39139,6 @@
               <a:rPr spc="-85" dirty="0"/>
               <a:t>View</a:t>
             </a:r>
-            <a:endParaRPr spc="-85" dirty="0"/>
           </a:p>
         </p:txBody>
       </p:sp>
@@ -38922,7 +39149,7 @@
           <p:nvPr/>
         </p:nvPicPr>
         <p:blipFill>
-          <a:blip r:embed="rId1" cstate="print"/>
+          <a:blip r:embed="rId2" cstate="print"/>
           <a:stretch>
             <a:fillRect/>
           </a:stretch>
@@ -38950,9 +39177,11 @@
         <p:spPr/>
         <p:txBody>
           <a:bodyPr/>
+          <a:lstStyle/>
           <a:p>
             <a:fld id="{B6F15528-21DE-4FAA-801E-634DDDAF4B2B}" type="slidenum">
               <a:rPr/>
+              <a:t>9</a:t>
             </a:fld>
             <a:endParaRPr/>
           </a:p>
@@ -39244,6 +39473,8 @@
       </a:bgFillStyleLst>
     </a:fmtScheme>
   </a:themeElements>
+  <a:objectDefaults/>
+  <a:extraClrSchemeLst/>
   <a:extLst>
     <a:ext uri="{05A4C25C-085E-4340-85A3-A5531E510DB2}">
       <thm15:themeFamily xmlns:thm15="http://schemas.microsoft.com/office/thememl/2012/main" name="Office Theme" id="{62F939B6-93AF-4DB8-9C6B-D6C7DFDC589F}" vid="{4A3C46E8-61CC-4603-A589-7422A47A8E4A}"/>
@@ -39503,6 +39734,8 @@
       </a:bgFillStyleLst>
     </a:fmtScheme>
   </a:themeElements>
+  <a:objectDefaults/>
+  <a:extraClrSchemeLst/>
   <a:extLst>
     <a:ext uri="{05A4C25C-085E-4340-85A3-A5531E510DB2}">
       <thm15:themeFamily xmlns:thm15="http://schemas.microsoft.com/office/thememl/2012/main" name="Office Theme" id="{62F939B6-93AF-4DB8-9C6B-D6C7DFDC589F}" vid="{4A3C46E8-61CC-4603-A589-7422A47A8E4A}"/>
